--- a/Presentation.pptx
+++ b/Presentation.pptx
@@ -6,16 +6,17 @@
   </p:sldMasterIdLst>
   <p:sldIdLst>
     <p:sldId id="256" r:id="rId2"/>
-    <p:sldId id="266" r:id="rId3"/>
-    <p:sldId id="257" r:id="rId4"/>
-    <p:sldId id="258" r:id="rId5"/>
-    <p:sldId id="259" r:id="rId6"/>
-    <p:sldId id="260" r:id="rId7"/>
-    <p:sldId id="261" r:id="rId8"/>
-    <p:sldId id="262" r:id="rId9"/>
-    <p:sldId id="263" r:id="rId10"/>
-    <p:sldId id="264" r:id="rId11"/>
-    <p:sldId id="265" r:id="rId12"/>
+    <p:sldId id="257" r:id="rId3"/>
+    <p:sldId id="258" r:id="rId4"/>
+    <p:sldId id="259" r:id="rId5"/>
+    <p:sldId id="260" r:id="rId6"/>
+    <p:sldId id="261" r:id="rId7"/>
+    <p:sldId id="262" r:id="rId8"/>
+    <p:sldId id="263" r:id="rId9"/>
+    <p:sldId id="264" r:id="rId10"/>
+    <p:sldId id="265" r:id="rId11"/>
+    <p:sldId id="267" r:id="rId12"/>
+    <p:sldId id="268" r:id="rId13"/>
   </p:sldIdLst>
   <p:sldSz cx="12192000" cy="6858000"/>
   <p:notesSz cx="6858000" cy="9144000"/>
@@ -120,7 +121,6 @@
         <p14:section name="Introduction" id="{206314F5-F9A8-4121-8216-DE853324FCD9}">
           <p14:sldIdLst>
             <p14:sldId id="256"/>
-            <p14:sldId id="266"/>
             <p14:sldId id="257"/>
             <p14:sldId id="258"/>
           </p14:sldIdLst>
@@ -138,6 +138,12 @@
             <p14:sldId id="263"/>
             <p14:sldId id="264"/>
             <p14:sldId id="265"/>
+          </p14:sldIdLst>
+        </p14:section>
+        <p14:section name="Conclusion" id="{D9D90A7B-DA90-4229-84BE-B114349D3146}">
+          <p14:sldIdLst>
+            <p14:sldId id="267"/>
+            <p14:sldId id="268"/>
           </p14:sldIdLst>
         </p14:section>
       </p14:sectionLst>
@@ -6591,98 +6597,6 @@
           <p:cNvPr id="2" name="Title 1">
             <a:extLst>
               <a:ext uri="{FF2B5EF4-FFF2-40B4-BE49-F238E27FC236}">
-                <a16:creationId xmlns:a16="http://schemas.microsoft.com/office/drawing/2014/main" id="{F8DDBF23-146E-484B-99E0-2BA841E20BA3}"/>
-              </a:ext>
-            </a:extLst>
-          </p:cNvPr>
-          <p:cNvSpPr>
-            <a:spLocks noGrp="1"/>
-          </p:cNvSpPr>
-          <p:nvPr>
-            <p:ph type="title"/>
-          </p:nvPr>
-        </p:nvSpPr>
-        <p:spPr/>
-        <p:txBody>
-          <a:bodyPr/>
-          <a:lstStyle/>
-          <a:p>
-            <a:r>
-              <a:rPr lang="en-IN" dirty="0"/>
-              <a:t>Pre-Requirements</a:t>
-            </a:r>
-          </a:p>
-        </p:txBody>
-      </p:sp>
-      <p:sp>
-        <p:nvSpPr>
-          <p:cNvPr id="3" name="Content Placeholder 2">
-            <a:extLst>
-              <a:ext uri="{FF2B5EF4-FFF2-40B4-BE49-F238E27FC236}">
-                <a16:creationId xmlns:a16="http://schemas.microsoft.com/office/drawing/2014/main" id="{5B6E42DF-5111-4E77-9871-A366268EA9B1}"/>
-              </a:ext>
-            </a:extLst>
-          </p:cNvPr>
-          <p:cNvSpPr>
-            <a:spLocks noGrp="1"/>
-          </p:cNvSpPr>
-          <p:nvPr>
-            <p:ph idx="1"/>
-          </p:nvPr>
-        </p:nvSpPr>
-        <p:spPr/>
-        <p:txBody>
-          <a:bodyPr/>
-          <a:lstStyle/>
-          <a:p>
-            <a:r>
-              <a:rPr lang="en-IN" dirty="0"/>
-              <a:t>NodeJS</a:t>
-            </a:r>
-          </a:p>
-          <a:p>
-            <a:r>
-              <a:rPr lang="en-IN" dirty="0"/>
-              <a:t>Command Prompt / Terminal / Git</a:t>
-            </a:r>
-          </a:p>
-        </p:txBody>
-      </p:sp>
-    </p:spTree>
-    <p:extLst>
-      <p:ext uri="{BB962C8B-B14F-4D97-AF65-F5344CB8AC3E}">
-        <p14:creationId xmlns:p14="http://schemas.microsoft.com/office/powerpoint/2010/main" val="2148221766"/>
-      </p:ext>
-    </p:extLst>
-  </p:cSld>
-  <p:clrMapOvr>
-    <a:masterClrMapping/>
-  </p:clrMapOvr>
-</p:sld>
-</file>
-
-<file path=ppt/slides/slide11.xml><?xml version="1.0" encoding="utf-8"?>
-<p:sld xmlns:a="http://schemas.openxmlformats.org/drawingml/2006/main" xmlns:r="http://schemas.openxmlformats.org/officeDocument/2006/relationships" xmlns:p="http://schemas.openxmlformats.org/presentationml/2006/main">
-  <p:cSld>
-    <p:spTree>
-      <p:nvGrpSpPr>
-        <p:cNvPr id="1" name=""/>
-        <p:cNvGrpSpPr/>
-        <p:nvPr/>
-      </p:nvGrpSpPr>
-      <p:grpSpPr>
-        <a:xfrm>
-          <a:off x="0" y="0"/>
-          <a:ext cx="0" cy="0"/>
-          <a:chOff x="0" y="0"/>
-          <a:chExt cx="0" cy="0"/>
-        </a:xfrm>
-      </p:grpSpPr>
-      <p:sp>
-        <p:nvSpPr>
-          <p:cNvPr id="2" name="Title 1">
-            <a:extLst>
-              <a:ext uri="{FF2B5EF4-FFF2-40B4-BE49-F238E27FC236}">
                 <a16:creationId xmlns:a16="http://schemas.microsoft.com/office/drawing/2014/main" id="{B4B81F7E-6018-4FC3-9C05-657909E27073}"/>
               </a:ext>
             </a:extLst>
@@ -7175,6 +7089,200 @@
 </p:sld>
 </file>
 
+<file path=ppt/slides/slide11.xml><?xml version="1.0" encoding="utf-8"?>
+<p:sld xmlns:a="http://schemas.openxmlformats.org/drawingml/2006/main" xmlns:r="http://schemas.openxmlformats.org/officeDocument/2006/relationships" xmlns:p="http://schemas.openxmlformats.org/presentationml/2006/main">
+  <p:cSld>
+    <p:spTree>
+      <p:nvGrpSpPr>
+        <p:cNvPr id="1" name=""/>
+        <p:cNvGrpSpPr/>
+        <p:nvPr/>
+      </p:nvGrpSpPr>
+      <p:grpSpPr>
+        <a:xfrm>
+          <a:off x="0" y="0"/>
+          <a:ext cx="0" cy="0"/>
+          <a:chOff x="0" y="0"/>
+          <a:chExt cx="0" cy="0"/>
+        </a:xfrm>
+      </p:grpSpPr>
+      <p:sp>
+        <p:nvSpPr>
+          <p:cNvPr id="2" name="Title 1">
+            <a:extLst>
+              <a:ext uri="{FF2B5EF4-FFF2-40B4-BE49-F238E27FC236}">
+                <a16:creationId xmlns:a16="http://schemas.microsoft.com/office/drawing/2014/main" id="{071B0088-306E-4FE5-8FA2-A1F4C7FC9CC4}"/>
+              </a:ext>
+            </a:extLst>
+          </p:cNvPr>
+          <p:cNvSpPr>
+            <a:spLocks noGrp="1"/>
+          </p:cNvSpPr>
+          <p:nvPr>
+            <p:ph type="title"/>
+          </p:nvPr>
+        </p:nvSpPr>
+        <p:spPr/>
+        <p:txBody>
+          <a:bodyPr/>
+          <a:lstStyle/>
+          <a:p>
+            <a:r>
+              <a:rPr lang="en-IN" dirty="0"/>
+              <a:t>Future Scope </a:t>
+            </a:r>
+          </a:p>
+        </p:txBody>
+      </p:sp>
+      <p:sp>
+        <p:nvSpPr>
+          <p:cNvPr id="3" name="Content Placeholder 2">
+            <a:extLst>
+              <a:ext uri="{FF2B5EF4-FFF2-40B4-BE49-F238E27FC236}">
+                <a16:creationId xmlns:a16="http://schemas.microsoft.com/office/drawing/2014/main" id="{AEE2DD84-A423-4D7B-A36C-EE7A73883AA1}"/>
+              </a:ext>
+            </a:extLst>
+          </p:cNvPr>
+          <p:cNvSpPr>
+            <a:spLocks noGrp="1"/>
+          </p:cNvSpPr>
+          <p:nvPr>
+            <p:ph idx="1"/>
+          </p:nvPr>
+        </p:nvSpPr>
+        <p:spPr/>
+        <p:txBody>
+          <a:bodyPr/>
+          <a:lstStyle/>
+          <a:p>
+            <a:r>
+              <a:rPr lang="en-IN" dirty="0"/>
+              <a:t>Since the robot is not yet fully developed, so there is possibility of adding many new features.</a:t>
+            </a:r>
+          </a:p>
+          <a:p>
+            <a:r>
+              <a:rPr lang="en-IN" dirty="0"/>
+              <a:t>New sensors may be added to study underwater properties.</a:t>
+            </a:r>
+          </a:p>
+          <a:p>
+            <a:r>
+              <a:rPr lang="en-IN" dirty="0"/>
+              <a:t>Camera may be added.</a:t>
+            </a:r>
+          </a:p>
+          <a:p>
+            <a:r>
+              <a:rPr lang="en-IN" dirty="0"/>
+              <a:t>All the data from sensors and data may be displayed on the webpage.</a:t>
+            </a:r>
+          </a:p>
+        </p:txBody>
+      </p:sp>
+    </p:spTree>
+    <p:extLst>
+      <p:ext uri="{BB962C8B-B14F-4D97-AF65-F5344CB8AC3E}">
+        <p14:creationId xmlns:p14="http://schemas.microsoft.com/office/powerpoint/2010/main" val="748254534"/>
+      </p:ext>
+    </p:extLst>
+  </p:cSld>
+  <p:clrMapOvr>
+    <a:masterClrMapping/>
+  </p:clrMapOvr>
+</p:sld>
+</file>
+
+<file path=ppt/slides/slide12.xml><?xml version="1.0" encoding="utf-8"?>
+<p:sld xmlns:a="http://schemas.openxmlformats.org/drawingml/2006/main" xmlns:r="http://schemas.openxmlformats.org/officeDocument/2006/relationships" xmlns:p="http://schemas.openxmlformats.org/presentationml/2006/main">
+  <p:cSld>
+    <p:spTree>
+      <p:nvGrpSpPr>
+        <p:cNvPr id="1" name=""/>
+        <p:cNvGrpSpPr/>
+        <p:nvPr/>
+      </p:nvGrpSpPr>
+      <p:grpSpPr>
+        <a:xfrm>
+          <a:off x="0" y="0"/>
+          <a:ext cx="0" cy="0"/>
+          <a:chOff x="0" y="0"/>
+          <a:chExt cx="0" cy="0"/>
+        </a:xfrm>
+      </p:grpSpPr>
+      <p:sp>
+        <p:nvSpPr>
+          <p:cNvPr id="2" name="Title 1">
+            <a:extLst>
+              <a:ext uri="{FF2B5EF4-FFF2-40B4-BE49-F238E27FC236}">
+                <a16:creationId xmlns:a16="http://schemas.microsoft.com/office/drawing/2014/main" id="{49A94706-34B8-4DFF-9CF6-0B03F2C67132}"/>
+              </a:ext>
+            </a:extLst>
+          </p:cNvPr>
+          <p:cNvSpPr>
+            <a:spLocks noGrp="1"/>
+          </p:cNvSpPr>
+          <p:nvPr>
+            <p:ph type="title"/>
+          </p:nvPr>
+        </p:nvSpPr>
+        <p:spPr/>
+        <p:txBody>
+          <a:bodyPr/>
+          <a:lstStyle/>
+          <a:p>
+            <a:r>
+              <a:rPr lang="en-IN"/>
+              <a:t>THANK YOU </a:t>
+            </a:r>
+            <a:r>
+              <a:rPr lang="en-IN">
+                <a:sym typeface="Wingdings" panose="05000000000000000000" pitchFamily="2" charset="2"/>
+              </a:rPr>
+              <a:t></a:t>
+            </a:r>
+            <a:endParaRPr lang="en-IN"/>
+          </a:p>
+        </p:txBody>
+      </p:sp>
+      <p:sp>
+        <p:nvSpPr>
+          <p:cNvPr id="3" name="Content Placeholder 2">
+            <a:extLst>
+              <a:ext uri="{FF2B5EF4-FFF2-40B4-BE49-F238E27FC236}">
+                <a16:creationId xmlns:a16="http://schemas.microsoft.com/office/drawing/2014/main" id="{3655375D-D518-43EB-8D35-DBAE5170FF2E}"/>
+              </a:ext>
+            </a:extLst>
+          </p:cNvPr>
+          <p:cNvSpPr>
+            <a:spLocks noGrp="1"/>
+          </p:cNvSpPr>
+          <p:nvPr>
+            <p:ph idx="1"/>
+          </p:nvPr>
+        </p:nvSpPr>
+        <p:spPr/>
+        <p:txBody>
+          <a:bodyPr/>
+          <a:lstStyle/>
+          <a:p>
+            <a:endParaRPr lang="en-IN"/>
+          </a:p>
+        </p:txBody>
+      </p:sp>
+    </p:spTree>
+    <p:extLst>
+      <p:ext uri="{BB962C8B-B14F-4D97-AF65-F5344CB8AC3E}">
+        <p14:creationId xmlns:p14="http://schemas.microsoft.com/office/powerpoint/2010/main" val="3830292495"/>
+      </p:ext>
+    </p:extLst>
+  </p:cSld>
+  <p:clrMapOvr>
+    <a:masterClrMapping/>
+  </p:clrMapOvr>
+</p:sld>
+</file>
+
 <file path=ppt/slides/slide2.xml><?xml version="1.0" encoding="utf-8"?>
 <p:sld xmlns:a="http://schemas.openxmlformats.org/drawingml/2006/main" xmlns:r="http://schemas.openxmlformats.org/officeDocument/2006/relationships" xmlns:p="http://schemas.openxmlformats.org/presentationml/2006/main">
   <p:cSld>
@@ -7197,7 +7305,7 @@
           <p:cNvPr id="2" name="Title 1">
             <a:extLst>
               <a:ext uri="{FF2B5EF4-FFF2-40B4-BE49-F238E27FC236}">
-                <a16:creationId xmlns:a16="http://schemas.microsoft.com/office/drawing/2014/main" id="{9C977C7A-41A4-46B5-867A-40C4F62FCB8E}"/>
+                <a16:creationId xmlns:a16="http://schemas.microsoft.com/office/drawing/2014/main" id="{74366F1F-37E2-475C-B7D8-5B4F8244013F}"/>
               </a:ext>
             </a:extLst>
           </p:cNvPr>
@@ -7215,7 +7323,7 @@
           <a:p>
             <a:r>
               <a:rPr lang="en-IN" dirty="0"/>
-              <a:t>Introduction</a:t>
+              <a:t>Project Objectives</a:t>
             </a:r>
           </a:p>
         </p:txBody>
@@ -7225,7 +7333,7 @@
           <p:cNvPr id="3" name="Content Placeholder 2">
             <a:extLst>
               <a:ext uri="{FF2B5EF4-FFF2-40B4-BE49-F238E27FC236}">
-                <a16:creationId xmlns:a16="http://schemas.microsoft.com/office/drawing/2014/main" id="{610173DE-0AA4-4674-98B0-252929202E4C}"/>
+                <a16:creationId xmlns:a16="http://schemas.microsoft.com/office/drawing/2014/main" id="{CF56AED0-AB86-4239-AEDF-CEF86B731AAE}"/>
               </a:ext>
             </a:extLst>
           </p:cNvPr>
@@ -7241,14 +7349,32 @@
           <a:bodyPr/>
           <a:lstStyle/>
           <a:p>
-            <a:endParaRPr lang="en-IN"/>
+            <a:pPr marL="0" indent="0">
+              <a:buNone/>
+            </a:pPr>
+            <a:r>
+              <a:rPr lang="en-IN" dirty="0"/>
+              <a:t>Develop a Graphic User Interface to: </a:t>
+            </a:r>
+          </a:p>
+          <a:p>
+            <a:r>
+              <a:rPr lang="en-IN" dirty="0"/>
+              <a:t>Remotely switch the robot on/off.</a:t>
+            </a:r>
+          </a:p>
+          <a:p>
+            <a:r>
+              <a:rPr lang="en-IN" dirty="0"/>
+              <a:t>Display the sensor data</a:t>
+            </a:r>
           </a:p>
         </p:txBody>
       </p:sp>
     </p:spTree>
     <p:extLst>
       <p:ext uri="{BB962C8B-B14F-4D97-AF65-F5344CB8AC3E}">
-        <p14:creationId xmlns:p14="http://schemas.microsoft.com/office/powerpoint/2010/main" val="4243395203"/>
+        <p14:creationId xmlns:p14="http://schemas.microsoft.com/office/powerpoint/2010/main" val="1902095797"/>
       </p:ext>
     </p:extLst>
   </p:cSld>
@@ -7280,7 +7406,7 @@
           <p:cNvPr id="2" name="Title 1">
             <a:extLst>
               <a:ext uri="{FF2B5EF4-FFF2-40B4-BE49-F238E27FC236}">
-                <a16:creationId xmlns:a16="http://schemas.microsoft.com/office/drawing/2014/main" id="{74366F1F-37E2-475C-B7D8-5B4F8244013F}"/>
+                <a16:creationId xmlns:a16="http://schemas.microsoft.com/office/drawing/2014/main" id="{FA740AC9-33B0-49B5-ADEE-E2DEB01942C8}"/>
               </a:ext>
             </a:extLst>
           </p:cNvPr>
@@ -7298,7 +7424,7 @@
           <a:p>
             <a:r>
               <a:rPr lang="en-IN" dirty="0"/>
-              <a:t>Project Objectives</a:t>
+              <a:t>Technologies Used</a:t>
             </a:r>
           </a:p>
         </p:txBody>
@@ -7308,7 +7434,7 @@
           <p:cNvPr id="3" name="Content Placeholder 2">
             <a:extLst>
               <a:ext uri="{FF2B5EF4-FFF2-40B4-BE49-F238E27FC236}">
-                <a16:creationId xmlns:a16="http://schemas.microsoft.com/office/drawing/2014/main" id="{CF56AED0-AB86-4239-AEDF-CEF86B731AAE}"/>
+                <a16:creationId xmlns:a16="http://schemas.microsoft.com/office/drawing/2014/main" id="{B3AF9F1D-59BC-47BE-8B89-EFFCB505AA5B}"/>
               </a:ext>
             </a:extLst>
           </p:cNvPr>
@@ -7324,24 +7450,40 @@
           <a:bodyPr/>
           <a:lstStyle/>
           <a:p>
-            <a:pPr marL="0" indent="0">
-              <a:buNone/>
-            </a:pPr>
             <a:r>
               <a:rPr lang="en-IN" dirty="0"/>
-              <a:t>Develop a Graphic User Interface to: </a:t>
-            </a:r>
+              <a:t>JavaScript</a:t>
+            </a:r>
+          </a:p>
+          <a:p>
+            <a:r>
+              <a:rPr lang="en-IN" dirty="0" err="1"/>
+              <a:t>WebSockets</a:t>
+            </a:r>
+            <a:endParaRPr lang="en-IN" dirty="0"/>
           </a:p>
           <a:p>
             <a:r>
               <a:rPr lang="en-IN" dirty="0"/>
-              <a:t>Remotely switch the robot on/off.</a:t>
+              <a:t>NodeJS</a:t>
             </a:r>
           </a:p>
           <a:p>
             <a:r>
               <a:rPr lang="en-IN" dirty="0"/>
-              <a:t>Display the sensor data</a:t>
+              <a:t>Arduino</a:t>
+            </a:r>
+          </a:p>
+          <a:p>
+            <a:r>
+              <a:rPr lang="en-IN" dirty="0"/>
+              <a:t>DHT Sensors</a:t>
+            </a:r>
+          </a:p>
+          <a:p>
+            <a:r>
+              <a:rPr lang="en-IN" dirty="0"/>
+              <a:t>HTML/CSS/Bootstrap</a:t>
             </a:r>
           </a:p>
         </p:txBody>
@@ -7349,7 +7491,7 @@
     </p:spTree>
     <p:extLst>
       <p:ext uri="{BB962C8B-B14F-4D97-AF65-F5344CB8AC3E}">
-        <p14:creationId xmlns:p14="http://schemas.microsoft.com/office/powerpoint/2010/main" val="1902095797"/>
+        <p14:creationId xmlns:p14="http://schemas.microsoft.com/office/powerpoint/2010/main" val="1111909870"/>
       </p:ext>
     </p:extLst>
   </p:cSld>
@@ -7381,123 +7523,6 @@
           <p:cNvPr id="2" name="Title 1">
             <a:extLst>
               <a:ext uri="{FF2B5EF4-FFF2-40B4-BE49-F238E27FC236}">
-                <a16:creationId xmlns:a16="http://schemas.microsoft.com/office/drawing/2014/main" id="{FA740AC9-33B0-49B5-ADEE-E2DEB01942C8}"/>
-              </a:ext>
-            </a:extLst>
-          </p:cNvPr>
-          <p:cNvSpPr>
-            <a:spLocks noGrp="1"/>
-          </p:cNvSpPr>
-          <p:nvPr>
-            <p:ph type="title"/>
-          </p:nvPr>
-        </p:nvSpPr>
-        <p:spPr/>
-        <p:txBody>
-          <a:bodyPr/>
-          <a:lstStyle/>
-          <a:p>
-            <a:r>
-              <a:rPr lang="en-IN" dirty="0"/>
-              <a:t>Technologies Used</a:t>
-            </a:r>
-          </a:p>
-        </p:txBody>
-      </p:sp>
-      <p:sp>
-        <p:nvSpPr>
-          <p:cNvPr id="3" name="Content Placeholder 2">
-            <a:extLst>
-              <a:ext uri="{FF2B5EF4-FFF2-40B4-BE49-F238E27FC236}">
-                <a16:creationId xmlns:a16="http://schemas.microsoft.com/office/drawing/2014/main" id="{B3AF9F1D-59BC-47BE-8B89-EFFCB505AA5B}"/>
-              </a:ext>
-            </a:extLst>
-          </p:cNvPr>
-          <p:cNvSpPr>
-            <a:spLocks noGrp="1"/>
-          </p:cNvSpPr>
-          <p:nvPr>
-            <p:ph idx="1"/>
-          </p:nvPr>
-        </p:nvSpPr>
-        <p:spPr/>
-        <p:txBody>
-          <a:bodyPr/>
-          <a:lstStyle/>
-          <a:p>
-            <a:r>
-              <a:rPr lang="en-IN" dirty="0"/>
-              <a:t>JavaScript</a:t>
-            </a:r>
-          </a:p>
-          <a:p>
-            <a:r>
-              <a:rPr lang="en-IN" dirty="0" err="1"/>
-              <a:t>WebSockets</a:t>
-            </a:r>
-            <a:endParaRPr lang="en-IN" dirty="0"/>
-          </a:p>
-          <a:p>
-            <a:r>
-              <a:rPr lang="en-IN" dirty="0"/>
-              <a:t>NodeJS</a:t>
-            </a:r>
-          </a:p>
-          <a:p>
-            <a:r>
-              <a:rPr lang="en-IN" dirty="0"/>
-              <a:t>Arduino</a:t>
-            </a:r>
-          </a:p>
-          <a:p>
-            <a:r>
-              <a:rPr lang="en-IN" dirty="0"/>
-              <a:t>DHT Sensors</a:t>
-            </a:r>
-          </a:p>
-          <a:p>
-            <a:r>
-              <a:rPr lang="en-IN" dirty="0"/>
-              <a:t>HTML/CSS/Bootstrap</a:t>
-            </a:r>
-          </a:p>
-        </p:txBody>
-      </p:sp>
-    </p:spTree>
-    <p:extLst>
-      <p:ext uri="{BB962C8B-B14F-4D97-AF65-F5344CB8AC3E}">
-        <p14:creationId xmlns:p14="http://schemas.microsoft.com/office/powerpoint/2010/main" val="1111909870"/>
-      </p:ext>
-    </p:extLst>
-  </p:cSld>
-  <p:clrMapOvr>
-    <a:masterClrMapping/>
-  </p:clrMapOvr>
-</p:sld>
-</file>
-
-<file path=ppt/slides/slide5.xml><?xml version="1.0" encoding="utf-8"?>
-<p:sld xmlns:a="http://schemas.openxmlformats.org/drawingml/2006/main" xmlns:r="http://schemas.openxmlformats.org/officeDocument/2006/relationships" xmlns:p="http://schemas.openxmlformats.org/presentationml/2006/main">
-  <p:cSld>
-    <p:spTree>
-      <p:nvGrpSpPr>
-        <p:cNvPr id="1" name=""/>
-        <p:cNvGrpSpPr/>
-        <p:nvPr/>
-      </p:nvGrpSpPr>
-      <p:grpSpPr>
-        <a:xfrm>
-          <a:off x="0" y="0"/>
-          <a:ext cx="0" cy="0"/>
-          <a:chOff x="0" y="0"/>
-          <a:chExt cx="0" cy="0"/>
-        </a:xfrm>
-      </p:grpSpPr>
-      <p:sp>
-        <p:nvSpPr>
-          <p:cNvPr id="2" name="Title 1">
-            <a:extLst>
-              <a:ext uri="{FF2B5EF4-FFF2-40B4-BE49-F238E27FC236}">
                 <a16:creationId xmlns:a16="http://schemas.microsoft.com/office/drawing/2014/main" id="{EA8BCCF2-B15D-4C68-845B-A818393A1545}"/>
               </a:ext>
             </a:extLst>
@@ -7542,7 +7567,16 @@
           <a:bodyPr/>
           <a:lstStyle/>
           <a:p>
-            <a:endParaRPr lang="en-IN"/>
+            <a:r>
+              <a:rPr lang="en-IN" dirty="0"/>
+              <a:t>Arduino is an open-source hardware and software company, project and user community that designs and manufactures single-board microcontrollers and microcontroller kits for building digital devices and interactive objects that can sense and control both physically and digitally.</a:t>
+            </a:r>
+          </a:p>
+          <a:p>
+            <a:r>
+              <a:rPr lang="en-IN" dirty="0"/>
+              <a:t>Arduino is the backbone of our project as it helps in creating a switch over the internet.</a:t>
+            </a:r>
           </a:p>
         </p:txBody>
       </p:sp>
@@ -7559,7 +7593,7 @@
 </p:sld>
 </file>
 
-<file path=ppt/slides/slide6.xml><?xml version="1.0" encoding="utf-8"?>
+<file path=ppt/slides/slide5.xml><?xml version="1.0" encoding="utf-8"?>
 <p:sld xmlns:a="http://schemas.openxmlformats.org/drawingml/2006/main" xmlns:r="http://schemas.openxmlformats.org/officeDocument/2006/relationships" xmlns:p="http://schemas.openxmlformats.org/presentationml/2006/main">
   <p:cSld>
     <p:spTree>
@@ -7708,7 +7742,7 @@
 </p:sld>
 </file>
 
-<file path=ppt/slides/slide7.xml><?xml version="1.0" encoding="utf-8"?>
+<file path=ppt/slides/slide6.xml><?xml version="1.0" encoding="utf-8"?>
 <p:sld xmlns:a="http://schemas.openxmlformats.org/drawingml/2006/main" xmlns:r="http://schemas.openxmlformats.org/officeDocument/2006/relationships" xmlns:p="http://schemas.openxmlformats.org/presentationml/2006/main">
   <p:cSld>
     <p:spTree>
@@ -7748,7 +7782,7 @@
           <a:p>
             <a:r>
               <a:rPr lang="en-IN" dirty="0"/>
-              <a:t>NodeJS</a:t>
+              <a:t>Node.JS</a:t>
             </a:r>
           </a:p>
         </p:txBody>
@@ -7774,7 +7808,28 @@
           <a:bodyPr/>
           <a:lstStyle/>
           <a:p>
-            <a:endParaRPr lang="en-IN"/>
+            <a:r>
+              <a:rPr lang="en-IN" dirty="0"/>
+              <a:t>Node.js is an open-source, cross-platform JavaScript run-time environment that executes JavaScript code outside of a browser.</a:t>
+            </a:r>
+          </a:p>
+          <a:p>
+            <a:r>
+              <a:rPr lang="en-IN" dirty="0"/>
+              <a:t>We created our web server using Node.js</a:t>
+            </a:r>
+          </a:p>
+          <a:p>
+            <a:r>
+              <a:rPr lang="en-IN" dirty="0"/>
+              <a:t>Communicates with the client</a:t>
+            </a:r>
+          </a:p>
+          <a:p>
+            <a:r>
+              <a:rPr lang="en-IN" dirty="0"/>
+              <a:t>Sends sensor data to the web client.</a:t>
+            </a:r>
           </a:p>
         </p:txBody>
       </p:sp>
@@ -7791,7 +7846,7 @@
 </p:sld>
 </file>
 
-<file path=ppt/slides/slide8.xml><?xml version="1.0" encoding="utf-8"?>
+<file path=ppt/slides/slide7.xml><?xml version="1.0" encoding="utf-8"?>
 <p:sld xmlns:a="http://schemas.openxmlformats.org/drawingml/2006/main" xmlns:r="http://schemas.openxmlformats.org/officeDocument/2006/relationships" xmlns:p="http://schemas.openxmlformats.org/presentationml/2006/main">
   <p:cSld>
     <p:spTree>
@@ -8030,6 +8085,122 @@
 </p:sld>
 </file>
 
+<file path=ppt/slides/slide8.xml><?xml version="1.0" encoding="utf-8"?>
+<p:sld xmlns:a="http://schemas.openxmlformats.org/drawingml/2006/main" xmlns:r="http://schemas.openxmlformats.org/officeDocument/2006/relationships" xmlns:p="http://schemas.openxmlformats.org/presentationml/2006/main">
+  <p:cSld>
+    <p:spTree>
+      <p:nvGrpSpPr>
+        <p:cNvPr id="1" name=""/>
+        <p:cNvGrpSpPr/>
+        <p:nvPr/>
+      </p:nvGrpSpPr>
+      <p:grpSpPr>
+        <a:xfrm>
+          <a:off x="0" y="0"/>
+          <a:ext cx="0" cy="0"/>
+          <a:chOff x="0" y="0"/>
+          <a:chExt cx="0" cy="0"/>
+        </a:xfrm>
+      </p:grpSpPr>
+      <p:sp>
+        <p:nvSpPr>
+          <p:cNvPr id="2" name="Title 1">
+            <a:extLst>
+              <a:ext uri="{FF2B5EF4-FFF2-40B4-BE49-F238E27FC236}">
+                <a16:creationId xmlns:a16="http://schemas.microsoft.com/office/drawing/2014/main" id="{842488B7-B747-49B8-AF84-2017F5310508}"/>
+              </a:ext>
+            </a:extLst>
+          </p:cNvPr>
+          <p:cNvSpPr>
+            <a:spLocks noGrp="1"/>
+          </p:cNvSpPr>
+          <p:nvPr>
+            <p:ph type="title"/>
+          </p:nvPr>
+        </p:nvSpPr>
+        <p:spPr/>
+        <p:txBody>
+          <a:bodyPr/>
+          <a:lstStyle/>
+          <a:p>
+            <a:r>
+              <a:rPr lang="en-IN" dirty="0"/>
+              <a:t>GUI contents</a:t>
+            </a:r>
+          </a:p>
+        </p:txBody>
+      </p:sp>
+      <p:sp>
+        <p:nvSpPr>
+          <p:cNvPr id="3" name="Content Placeholder 2">
+            <a:extLst>
+              <a:ext uri="{FF2B5EF4-FFF2-40B4-BE49-F238E27FC236}">
+                <a16:creationId xmlns:a16="http://schemas.microsoft.com/office/drawing/2014/main" id="{AC8A9F3C-2EC2-4AD9-986C-2E413643042C}"/>
+              </a:ext>
+            </a:extLst>
+          </p:cNvPr>
+          <p:cNvSpPr>
+            <a:spLocks noGrp="1"/>
+          </p:cNvSpPr>
+          <p:nvPr>
+            <p:ph idx="1"/>
+          </p:nvPr>
+        </p:nvSpPr>
+        <p:spPr/>
+        <p:txBody>
+          <a:bodyPr/>
+          <a:lstStyle/>
+          <a:p>
+            <a:r>
+              <a:rPr lang="en-IN" dirty="0"/>
+              <a:t>LOGIN page</a:t>
+            </a:r>
+          </a:p>
+          <a:p>
+            <a:r>
+              <a:rPr lang="en-IN" dirty="0"/>
+              <a:t>SWITCH button</a:t>
+            </a:r>
+          </a:p>
+          <a:p>
+            <a:r>
+              <a:rPr lang="en-IN" dirty="0"/>
+              <a:t>Graph for Temperature SENSOR data</a:t>
+            </a:r>
+          </a:p>
+          <a:p>
+            <a:r>
+              <a:rPr lang="en-IN" dirty="0"/>
+              <a:t>Graph for Humidity SENSOR data</a:t>
+            </a:r>
+          </a:p>
+          <a:p>
+            <a:r>
+              <a:rPr lang="en-IN" dirty="0"/>
+              <a:t>Table for Temperature SENSOR data</a:t>
+            </a:r>
+          </a:p>
+          <a:p>
+            <a:r>
+              <a:rPr lang="en-IN" dirty="0"/>
+              <a:t>Table for Humidity SENSOR data</a:t>
+            </a:r>
+          </a:p>
+        </p:txBody>
+      </p:sp>
+    </p:spTree>
+    <p:extLst>
+      <p:ext uri="{BB962C8B-B14F-4D97-AF65-F5344CB8AC3E}">
+        <p14:creationId xmlns:p14="http://schemas.microsoft.com/office/powerpoint/2010/main" val="52408092"/>
+      </p:ext>
+    </p:extLst>
+  </p:cSld>
+  <p:clrMapOvr>
+    <a:masterClrMapping/>
+  </p:clrMapOvr>
+</p:sld>
+</file>
+
 <file path=ppt/slides/slide9.xml><?xml version="1.0" encoding="utf-8"?>
 <p:sld xmlns:a="http://schemas.openxmlformats.org/drawingml/2006/main" xmlns:r="http://schemas.openxmlformats.org/officeDocument/2006/relationships" xmlns:p="http://schemas.openxmlformats.org/presentationml/2006/main">
   <p:cSld>
@@ -8052,7 +8223,7 @@
           <p:cNvPr id="2" name="Title 1">
             <a:extLst>
               <a:ext uri="{FF2B5EF4-FFF2-40B4-BE49-F238E27FC236}">
-                <a16:creationId xmlns:a16="http://schemas.microsoft.com/office/drawing/2014/main" id="{842488B7-B747-49B8-AF84-2017F5310508}"/>
+                <a16:creationId xmlns:a16="http://schemas.microsoft.com/office/drawing/2014/main" id="{F8DDBF23-146E-484B-99E0-2BA841E20BA3}"/>
               </a:ext>
             </a:extLst>
           </p:cNvPr>
@@ -8070,7 +8241,7 @@
           <a:p>
             <a:r>
               <a:rPr lang="en-IN" dirty="0"/>
-              <a:t>GUI contents</a:t>
+              <a:t>Pre-Requirements</a:t>
             </a:r>
           </a:p>
         </p:txBody>
@@ -8080,7 +8251,7 @@
           <p:cNvPr id="3" name="Content Placeholder 2">
             <a:extLst>
               <a:ext uri="{FF2B5EF4-FFF2-40B4-BE49-F238E27FC236}">
-                <a16:creationId xmlns:a16="http://schemas.microsoft.com/office/drawing/2014/main" id="{AC8A9F3C-2EC2-4AD9-986C-2E413643042C}"/>
+                <a16:creationId xmlns:a16="http://schemas.microsoft.com/office/drawing/2014/main" id="{5B6E42DF-5111-4E77-9871-A366268EA9B1}"/>
               </a:ext>
             </a:extLst>
           </p:cNvPr>
@@ -8098,37 +8269,13 @@
           <a:p>
             <a:r>
               <a:rPr lang="en-IN" dirty="0"/>
-              <a:t>LOGIN page</a:t>
+              <a:t>NodeJS</a:t>
             </a:r>
           </a:p>
           <a:p>
             <a:r>
               <a:rPr lang="en-IN" dirty="0"/>
-              <a:t>SWITCH button</a:t>
-            </a:r>
-          </a:p>
-          <a:p>
-            <a:r>
-              <a:rPr lang="en-IN" dirty="0"/>
-              <a:t>Graph for Temperature SENSOR data</a:t>
-            </a:r>
-          </a:p>
-          <a:p>
-            <a:r>
-              <a:rPr lang="en-IN" dirty="0"/>
-              <a:t>Graph for Humidity SENSOR data</a:t>
-            </a:r>
-          </a:p>
-          <a:p>
-            <a:r>
-              <a:rPr lang="en-IN" dirty="0"/>
-              <a:t>Table for Temperature SENSOR data</a:t>
-            </a:r>
-          </a:p>
-          <a:p>
-            <a:r>
-              <a:rPr lang="en-IN" dirty="0"/>
-              <a:t>Table for Humidity SENSOR data</a:t>
+              <a:t>Command Prompt / Terminal / Git</a:t>
             </a:r>
           </a:p>
         </p:txBody>
@@ -8136,7 +8283,7 @@
     </p:spTree>
     <p:extLst>
       <p:ext uri="{BB962C8B-B14F-4D97-AF65-F5344CB8AC3E}">
-        <p14:creationId xmlns:p14="http://schemas.microsoft.com/office/powerpoint/2010/main" val="52408092"/>
+        <p14:creationId xmlns:p14="http://schemas.microsoft.com/office/powerpoint/2010/main" val="2148221766"/>
       </p:ext>
     </p:extLst>
   </p:cSld>
